--- a/Rischi.pptx
+++ b/Rischi.pptx
@@ -104,6 +104,11 @@
       </a:defRPr>
     </a:lvl9pPr>
   </p:defaultTextStyle>
+  <p:extLst>
+    <p:ext uri="{EFAFB233-063F-42B5-8137-9DF3F51BA10A}">
+      <p15:sldGuideLst xmlns:p15="http://schemas.microsoft.com/office/powerpoint/2012/main"/>
+    </p:ext>
+  </p:extLst>
 </p:presentation>
 </file>
 
@@ -3340,14 +3345,14 @@
           <p:nvPr>
             <p:extLst>
               <p:ext uri="{D42A27DB-BD31-4B8C-83A1-F6EECF244321}">
-                <p14:modId xmlns:p14="http://schemas.microsoft.com/office/powerpoint/2010/main" val="284214381"/>
+                <p14:modId xmlns:p14="http://schemas.microsoft.com/office/powerpoint/2010/main" val="1055150434"/>
               </p:ext>
             </p:extLst>
           </p:nvPr>
         </p:nvGraphicFramePr>
         <p:xfrm>
-          <a:off x="611163" y="227297"/>
-          <a:ext cx="9390968" cy="5385711"/>
+          <a:off x="-3052916" y="227297"/>
+          <a:ext cx="18091276" cy="7447736"/>
         </p:xfrm>
         <a:graphic>
           <a:graphicData uri="http://schemas.openxmlformats.org/drawingml/2006/table">
@@ -3356,28 +3361,28 @@
                 <a:tableStyleId>{5C22544A-7EE6-4342-B048-85BDC9FD1C3A}</a:tableStyleId>
               </a:tblPr>
               <a:tblGrid>
-                <a:gridCol w="2347742">
+                <a:gridCol w="4522819">
                   <a:extLst>
                     <a:ext uri="{9D8B030D-6E8A-4147-A177-3AD203B41FA5}">
                       <a16:colId xmlns:a16="http://schemas.microsoft.com/office/drawing/2014/main" val="2564342589"/>
                     </a:ext>
                   </a:extLst>
                 </a:gridCol>
-                <a:gridCol w="2347742">
+                <a:gridCol w="4522819">
                   <a:extLst>
                     <a:ext uri="{9D8B030D-6E8A-4147-A177-3AD203B41FA5}">
                       <a16:colId xmlns:a16="http://schemas.microsoft.com/office/drawing/2014/main" val="2070946914"/>
                     </a:ext>
                   </a:extLst>
                 </a:gridCol>
-                <a:gridCol w="2347742">
+                <a:gridCol w="4522819">
                   <a:extLst>
                     <a:ext uri="{9D8B030D-6E8A-4147-A177-3AD203B41FA5}">
                       <a16:colId xmlns:a16="http://schemas.microsoft.com/office/drawing/2014/main" val="2839621859"/>
                     </a:ext>
                   </a:extLst>
                 </a:gridCol>
-                <a:gridCol w="2347742">
+                <a:gridCol w="4522819">
                   <a:extLst>
                     <a:ext uri="{9D8B030D-6E8A-4147-A177-3AD203B41FA5}">
                       <a16:colId xmlns:a16="http://schemas.microsoft.com/office/drawing/2014/main" val="843008206"/>
@@ -3444,7 +3449,7 @@
                   </a:ext>
                 </a:extLst>
               </a:tr>
-              <a:tr h="965291">
+              <a:tr h="606149">
                 <a:tc>
                   <a:txBody>
                     <a:bodyPr/>
@@ -3463,45 +3468,48 @@
                     <a:bodyPr/>
                     <a:lstStyle/>
                     <a:p>
+                      <a:pPr algn="ctr"/>
                       <a:r>
-                        <a:rPr lang="it-IT" b="1" dirty="0">
+                        <a:rPr lang="it-IT" sz="4000" b="1" dirty="0">
                           <a:solidFill>
                             <a:srgbClr val="FF0000"/>
                           </a:solidFill>
                         </a:rPr>
-                        <a:t>   X</a:t>
+                        <a:t>X</a:t>
                       </a:r>
                     </a:p>
                   </a:txBody>
-                  <a:tcPr/>
+                  <a:tcPr anchor="ctr"/>
                 </a:tc>
                 <a:tc>
                   <a:txBody>
                     <a:bodyPr/>
                     <a:lstStyle/>
                     <a:p>
-                      <a:endParaRPr lang="it-IT" b="1">
+                      <a:pPr algn="ctr"/>
+                      <a:endParaRPr lang="it-IT" sz="4000" b="1">
                         <a:solidFill>
                           <a:srgbClr val="FF0000"/>
                         </a:solidFill>
                       </a:endParaRPr>
                     </a:p>
                   </a:txBody>
-                  <a:tcPr/>
+                  <a:tcPr anchor="ctr"/>
                 </a:tc>
                 <a:tc>
                   <a:txBody>
                     <a:bodyPr/>
                     <a:lstStyle/>
                     <a:p>
-                      <a:endParaRPr lang="it-IT" b="1">
+                      <a:pPr algn="ctr"/>
+                      <a:endParaRPr lang="it-IT" sz="4000" b="1">
                         <a:solidFill>
                           <a:srgbClr val="FF0000"/>
                         </a:solidFill>
                       </a:endParaRPr>
                     </a:p>
                   </a:txBody>
-                  <a:tcPr/>
+                  <a:tcPr anchor="ctr"/>
                 </a:tc>
                 <a:extLst>
                   <a:ext uri="{0D108BD9-81ED-4DB2-BD59-A6C34878D82A}">
@@ -3509,7 +3517,7 @@
                   </a:ext>
                 </a:extLst>
               </a:tr>
-              <a:tr h="965291">
+              <a:tr h="628488">
                 <a:tc>
                   <a:txBody>
                     <a:bodyPr/>
@@ -3528,36 +3536,39 @@
                     <a:bodyPr/>
                     <a:lstStyle/>
                     <a:p>
-                      <a:endParaRPr lang="it-IT" b="1" dirty="0">
+                      <a:pPr algn="ctr"/>
+                      <a:endParaRPr lang="it-IT" sz="4000" b="1" dirty="0">
                         <a:solidFill>
                           <a:srgbClr val="FF0000"/>
                         </a:solidFill>
                       </a:endParaRPr>
                     </a:p>
                   </a:txBody>
-                  <a:tcPr/>
+                  <a:tcPr anchor="ctr"/>
                 </a:tc>
                 <a:tc>
                   <a:txBody>
                     <a:bodyPr/>
                     <a:lstStyle/>
                     <a:p>
-                      <a:endParaRPr lang="it-IT" b="1">
+                      <a:pPr algn="ctr"/>
+                      <a:endParaRPr lang="it-IT" sz="4000" b="1">
                         <a:solidFill>
                           <a:srgbClr val="FF0000"/>
                         </a:solidFill>
                       </a:endParaRPr>
                     </a:p>
                   </a:txBody>
-                  <a:tcPr/>
+                  <a:tcPr anchor="ctr"/>
                 </a:tc>
                 <a:tc>
                   <a:txBody>
                     <a:bodyPr/>
                     <a:lstStyle/>
                     <a:p>
+                      <a:pPr algn="ctr"/>
                       <a:r>
-                        <a:rPr lang="it-IT" b="1" dirty="0">
+                        <a:rPr lang="it-IT" sz="4000" b="1" dirty="0">
                           <a:solidFill>
                             <a:srgbClr val="FF0000"/>
                           </a:solidFill>
@@ -3566,7 +3577,7 @@
                       </a:r>
                     </a:p>
                   </a:txBody>
-                  <a:tcPr/>
+                  <a:tcPr anchor="ctr"/>
                 </a:tc>
                 <a:extLst>
                   <a:ext uri="{0D108BD9-81ED-4DB2-BD59-A6C34878D82A}">
@@ -3574,7 +3585,7 @@
                   </a:ext>
                 </a:extLst>
               </a:tr>
-              <a:tr h="965291">
+              <a:tr h="576907">
                 <a:tc>
                   <a:txBody>
                     <a:bodyPr/>
@@ -3593,8 +3604,9 @@
                     <a:bodyPr/>
                     <a:lstStyle/>
                     <a:p>
+                      <a:pPr algn="ctr"/>
                       <a:r>
-                        <a:rPr lang="it-IT" b="1" dirty="0">
+                        <a:rPr lang="it-IT" sz="4000" b="1" dirty="0">
                           <a:solidFill>
                             <a:srgbClr val="FF0000"/>
                           </a:solidFill>
@@ -3603,15 +3615,16 @@
                       </a:r>
                     </a:p>
                   </a:txBody>
-                  <a:tcPr/>
+                  <a:tcPr anchor="ctr"/>
                 </a:tc>
                 <a:tc>
                   <a:txBody>
                     <a:bodyPr/>
                     <a:lstStyle/>
                     <a:p>
+                      <a:pPr algn="ctr"/>
                       <a:r>
-                        <a:rPr lang="it-IT" b="1" dirty="0">
+                        <a:rPr lang="it-IT" sz="4000" b="1" dirty="0">
                           <a:solidFill>
                             <a:srgbClr val="FF0000"/>
                           </a:solidFill>
@@ -3620,21 +3633,22 @@
                       </a:r>
                     </a:p>
                   </a:txBody>
-                  <a:tcPr/>
+                  <a:tcPr anchor="ctr"/>
                 </a:tc>
                 <a:tc>
                   <a:txBody>
                     <a:bodyPr/>
                     <a:lstStyle/>
                     <a:p>
-                      <a:endParaRPr lang="it-IT" b="1" dirty="0">
+                      <a:pPr algn="ctr"/>
+                      <a:endParaRPr lang="it-IT" sz="4000" b="1" dirty="0">
                         <a:solidFill>
                           <a:srgbClr val="FF0000"/>
                         </a:solidFill>
                       </a:endParaRPr>
                     </a:p>
                   </a:txBody>
-                  <a:tcPr/>
+                  <a:tcPr anchor="ctr"/>
                 </a:tc>
                 <a:extLst>
                   <a:ext uri="{0D108BD9-81ED-4DB2-BD59-A6C34878D82A}">
@@ -3642,7 +3656,7 @@
                   </a:ext>
                 </a:extLst>
               </a:tr>
-              <a:tr h="965291">
+              <a:tr h="398300">
                 <a:tc>
                   <a:txBody>
                     <a:bodyPr/>
@@ -3666,12 +3680,8 @@
                         <a:defRPr/>
                       </a:pPr>
                       <a:r>
-                        <a:rPr lang="it-IT" b="1" i="1" dirty="0" err="1"/>
-                        <a:t>Hacking</a:t>
-                      </a:r>
-                      <a:r>
                         <a:rPr lang="it-IT" b="1" i="1" dirty="0"/>
-                        <a:t> dei dati</a:t>
+                        <a:t>Hacking dei dati</a:t>
                       </a:r>
                     </a:p>
                     <a:p>
@@ -3685,36 +3695,39 @@
                     <a:bodyPr/>
                     <a:lstStyle/>
                     <a:p>
-                      <a:endParaRPr lang="it-IT" b="1">
+                      <a:pPr algn="ctr"/>
+                      <a:endParaRPr lang="it-IT" sz="4000" b="1" dirty="0">
                         <a:solidFill>
                           <a:srgbClr val="FF0000"/>
                         </a:solidFill>
                       </a:endParaRPr>
                     </a:p>
                   </a:txBody>
-                  <a:tcPr/>
+                  <a:tcPr anchor="ctr"/>
                 </a:tc>
                 <a:tc>
                   <a:txBody>
                     <a:bodyPr/>
                     <a:lstStyle/>
                     <a:p>
-                      <a:endParaRPr lang="it-IT" b="1">
+                      <a:pPr algn="ctr"/>
+                      <a:endParaRPr lang="it-IT" sz="4000" b="1">
                         <a:solidFill>
                           <a:srgbClr val="FF0000"/>
                         </a:solidFill>
                       </a:endParaRPr>
                     </a:p>
                   </a:txBody>
-                  <a:tcPr/>
+                  <a:tcPr anchor="ctr"/>
                 </a:tc>
                 <a:tc>
                   <a:txBody>
                     <a:bodyPr/>
                     <a:lstStyle/>
                     <a:p>
+                      <a:pPr algn="ctr"/>
                       <a:r>
-                        <a:rPr lang="it-IT" b="1" dirty="0">
+                        <a:rPr lang="it-IT" sz="4000" b="1" dirty="0">
                           <a:solidFill>
                             <a:srgbClr val="FF0000"/>
                           </a:solidFill>
@@ -3723,7 +3736,7 @@
                       </a:r>
                     </a:p>
                   </a:txBody>
-                  <a:tcPr/>
+                  <a:tcPr anchor="ctr"/>
                 </a:tc>
                 <a:extLst>
                   <a:ext uri="{0D108BD9-81ED-4DB2-BD59-A6C34878D82A}">
@@ -3731,7 +3744,7 @@
                   </a:ext>
                 </a:extLst>
               </a:tr>
-              <a:tr h="965291">
+              <a:tr h="601459">
                 <a:tc>
                   <a:txBody>
                     <a:bodyPr/>
@@ -3750,22 +3763,24 @@
                     <a:bodyPr/>
                     <a:lstStyle/>
                     <a:p>
-                      <a:endParaRPr lang="it-IT" b="1">
+                      <a:pPr algn="ctr"/>
+                      <a:endParaRPr lang="it-IT" sz="4000" b="1" dirty="0">
                         <a:solidFill>
                           <a:srgbClr val="FF0000"/>
                         </a:solidFill>
                       </a:endParaRPr>
                     </a:p>
                   </a:txBody>
-                  <a:tcPr/>
+                  <a:tcPr anchor="ctr"/>
                 </a:tc>
                 <a:tc>
                   <a:txBody>
                     <a:bodyPr/>
                     <a:lstStyle/>
                     <a:p>
+                      <a:pPr algn="ctr"/>
                       <a:r>
-                        <a:rPr lang="it-IT" b="1" dirty="0">
+                        <a:rPr lang="it-IT" sz="4000" b="1" dirty="0">
                           <a:solidFill>
                             <a:srgbClr val="FF0000"/>
                           </a:solidFill>
@@ -3774,15 +3789,16 @@
                       </a:r>
                     </a:p>
                   </a:txBody>
-                  <a:tcPr/>
+                  <a:tcPr anchor="ctr"/>
                 </a:tc>
                 <a:tc>
                   <a:txBody>
                     <a:bodyPr/>
                     <a:lstStyle/>
                     <a:p>
+                      <a:pPr algn="ctr"/>
                       <a:r>
-                        <a:rPr lang="it-IT" b="1" dirty="0">
+                        <a:rPr lang="it-IT" sz="4000" b="1" dirty="0">
                           <a:solidFill>
                             <a:srgbClr val="FF0000"/>
                           </a:solidFill>
@@ -3791,11 +3807,108 @@
                       </a:r>
                     </a:p>
                   </a:txBody>
-                  <a:tcPr/>
+                  <a:tcPr anchor="ctr"/>
                 </a:tc>
                 <a:extLst>
                   <a:ext uri="{0D108BD9-81ED-4DB2-BD59-A6C34878D82A}">
                     <a16:rowId xmlns:a16="http://schemas.microsoft.com/office/drawing/2014/main" val="1929833878"/>
+                  </a:ext>
+                </a:extLst>
+              </a:tr>
+              <a:tr h="965291">
+                <a:tc>
+                  <a:txBody>
+                    <a:bodyPr/>
+                    <a:lstStyle/>
+                    <a:p>
+                      <a:endParaRPr lang="it-IT" b="1" i="1" dirty="0">
+                        <a:solidFill>
+                          <a:schemeClr val="bg1"/>
+                        </a:solidFill>
+                      </a:endParaRPr>
+                    </a:p>
+                  </a:txBody>
+                  <a:tcPr>
+                    <a:solidFill>
+                      <a:srgbClr val="00B050"/>
+                    </a:solidFill>
+                  </a:tcPr>
+                </a:tc>
+                <a:tc>
+                  <a:txBody>
+                    <a:bodyPr/>
+                    <a:lstStyle/>
+                    <a:p>
+                      <a:pPr algn="l"/>
+                      <a:r>
+                        <a:rPr lang="it-IT" sz="1800" b="1" dirty="0">
+                          <a:solidFill>
+                            <a:schemeClr val="bg1"/>
+                          </a:solidFill>
+                        </a:rPr>
+                        <a:t>La sol.1 soffre di rischi dovuti ad una interruzione di corrente, dato che non prevede alcun uso di UPS, oppure dovuti alla rottura del computer «centrale», senza il quale il software Invoicex non può essere di supporto.</a:t>
+                      </a:r>
+                    </a:p>
+                  </a:txBody>
+                  <a:tcPr>
+                    <a:solidFill>
+                      <a:srgbClr val="00B050"/>
+                    </a:solidFill>
+                  </a:tcPr>
+                </a:tc>
+                <a:tc>
+                  <a:txBody>
+                    <a:bodyPr/>
+                    <a:lstStyle/>
+                    <a:p>
+                      <a:pPr algn="l"/>
+                      <a:r>
+                        <a:rPr lang="it-IT" sz="1800" b="1" kern="1200" dirty="0">
+                          <a:solidFill>
+                            <a:schemeClr val="bg1"/>
+                          </a:solidFill>
+                          <a:latin typeface="+mn-lt"/>
+                          <a:ea typeface="+mn-ea"/>
+                          <a:cs typeface="+mn-cs"/>
+                        </a:rPr>
+                        <a:t>La sol.2 presenta problemi in caso in di fallimenti del computer «centrale», su cui gira Odoo come server locale, oppure in caso di scarsa manutenzione all’ERP e i suoi moduli, che andrebbero aggiornati di tanto in tanto per rimanere al passo con i tempi (vedi modifiche legislazione).</a:t>
+                      </a:r>
+                    </a:p>
+                  </a:txBody>
+                  <a:tcPr>
+                    <a:solidFill>
+                      <a:srgbClr val="00B050"/>
+                    </a:solidFill>
+                  </a:tcPr>
+                </a:tc>
+                <a:tc>
+                  <a:txBody>
+                    <a:bodyPr/>
+                    <a:lstStyle/>
+                    <a:p>
+                      <a:pPr algn="l"/>
+                      <a:r>
+                        <a:rPr lang="it-IT" sz="1800" b="1" kern="1200" dirty="0">
+                          <a:solidFill>
+                            <a:schemeClr val="bg1"/>
+                          </a:solidFill>
+                          <a:latin typeface="+mn-lt"/>
+                          <a:ea typeface="+mn-ea"/>
+                          <a:cs typeface="+mn-cs"/>
+                        </a:rPr>
+                        <a:t>La sol.3, dato che sposta il focus sui server remoti di Odoo, comporta rischi legati all’assenza di rete internet, hacking dei dati (memorizzati sui server di Odoo) e abbandono per scarsa manutenzione (vedi sol.2), anche se quest’ultima è più semplice del caso della sol.2. A suo favore, però, è da menzionare il sollevamento di responsabilità dell’azienda sulla gestione dei dati e del server locale, nonché la possibilità di accedere al proprio sistema ERP da remoto da qualsiasi macchina. </a:t>
+                      </a:r>
+                    </a:p>
+                  </a:txBody>
+                  <a:tcPr>
+                    <a:solidFill>
+                      <a:srgbClr val="00B050"/>
+                    </a:solidFill>
+                  </a:tcPr>
+                </a:tc>
+                <a:extLst>
+                  <a:ext uri="{0D108BD9-81ED-4DB2-BD59-A6C34878D82A}">
+                    <a16:rowId xmlns:a16="http://schemas.microsoft.com/office/drawing/2014/main" val="658765814"/>
                   </a:ext>
                 </a:extLst>
               </a:tr>
